--- a/Documentation/Presentation/ASE_adlib_Presentation.pptx
+++ b/Documentation/Presentation/ASE_adlib_Presentation.pptx
@@ -6,7 +6,7 @@
     <p:sldMasterId id="2147483660" r:id="rId2"/>
   </p:sldMasterIdLst>
   <p:notesMasterIdLst>
-    <p:notesMasterId r:id="rId26"/>
+    <p:notesMasterId r:id="rId25"/>
   </p:notesMasterIdLst>
   <p:sldIdLst>
     <p:sldId id="260" r:id="rId3"/>
@@ -31,7 +31,6 @@
     <p:sldId id="281" r:id="rId22"/>
     <p:sldId id="282" r:id="rId23"/>
     <p:sldId id="283" r:id="rId24"/>
-    <p:sldId id="284" r:id="rId25"/>
   </p:sldIdLst>
   <p:sldSz cx="9144000" cy="6858000" type="screen4x3"/>
   <p:notesSz cx="6858000" cy="9144000"/>
@@ -6884,11 +6883,6 @@
               </a:rPr>
               <a:t>Impact of Ad Libraries on Ratings of Android Mobile Apps</a:t>
             </a:r>
-            <a:endParaRPr lang="en-US" sz="3300" b="1" dirty="0">
-              <a:solidFill>
-                <a:srgbClr val="00B0F0"/>
-              </a:solidFill>
-            </a:endParaRPr>
           </a:p>
         </p:txBody>
       </p:sp>
@@ -6994,7 +6988,6 @@
               <a:rPr lang="en-US" sz="1350" dirty="0"/>
               <a:t> Queen’s University</a:t>
             </a:r>
-            <a:endParaRPr lang="en-US" sz="1350" dirty="0"/>
           </a:p>
         </p:txBody>
       </p:sp>
@@ -7460,7 +7453,6 @@
               <a:rPr lang="en-US" sz="1600" dirty="0"/>
               <a:t>may choose to integrate more than one ad library in an app. </a:t>
             </a:r>
-            <a:endParaRPr lang="en-US" sz="1600" dirty="0"/>
           </a:p>
           <a:p>
             <a:pPr algn="just">
@@ -9075,13 +9067,8 @@
           <a:p>
             <a:r>
               <a:rPr lang="en-US" sz="2000" dirty="0" smtClean="0"/>
-              <a:t>Research was conducted to determine the relation between the ad libraries in an app and its rating</a:t>
-            </a:r>
-            <a:r>
-              <a:rPr lang="en-US" sz="2000" dirty="0" smtClean="0"/>
-              <a:t>.</a:t>
-            </a:r>
-            <a:endParaRPr lang="en-US" sz="2000" dirty="0" smtClean="0"/>
+              <a:t>Research was conducted to determine the relation between the ad libraries in an app and its rating.</a:t>
+            </a:r>
           </a:p>
         </p:txBody>
       </p:sp>
@@ -9991,11 +9978,6 @@
               </a:rPr>
               <a:t>Introduction:</a:t>
             </a:r>
-            <a:endParaRPr lang="en-US" sz="2700" b="1" dirty="0">
-              <a:solidFill>
-                <a:srgbClr val="00B0F0"/>
-              </a:solidFill>
-            </a:endParaRPr>
           </a:p>
         </p:txBody>
       </p:sp>
@@ -10046,7 +10028,6 @@
               <a:rPr lang="en-US" sz="1500" dirty="0"/>
               <a:t>App developers use several third-party ad libraries to monetize their apps. This article examines the relationship between the number of ad libraries in Android apps and the user ratings of these apps.</a:t>
             </a:r>
-            <a:endParaRPr lang="en-US" sz="1500" dirty="0"/>
           </a:p>
         </p:txBody>
       </p:sp>
@@ -10489,181 +10470,6 @@
 </p:sld>
 </file>
 
-<file path=ppt/slides/slide23.xml><?xml version="1.0" encoding="utf-8"?>
-<p:sld xmlns:a="http://schemas.openxmlformats.org/drawingml/2006/main" xmlns:r="http://schemas.openxmlformats.org/officeDocument/2006/relationships" xmlns:p="http://schemas.openxmlformats.org/presentationml/2006/main">
-  <p:cSld>
-    <p:spTree>
-      <p:nvGrpSpPr>
-        <p:cNvPr id="1" name=""/>
-        <p:cNvGrpSpPr/>
-        <p:nvPr/>
-      </p:nvGrpSpPr>
-      <p:grpSpPr>
-        <a:xfrm>
-          <a:off x="0" y="0"/>
-          <a:ext cx="0" cy="0"/>
-          <a:chOff x="0" y="0"/>
-          <a:chExt cx="0" cy="0"/>
-        </a:xfrm>
-      </p:grpSpPr>
-      <p:sp>
-        <p:nvSpPr>
-          <p:cNvPr id="2" name="Title 1"/>
-          <p:cNvSpPr>
-            <a:spLocks noGrp="1"/>
-          </p:cNvSpPr>
-          <p:nvPr>
-            <p:ph type="title"/>
-          </p:nvPr>
-        </p:nvSpPr>
-        <p:spPr/>
-        <p:txBody>
-          <a:bodyPr/>
-          <a:lstStyle/>
-          <a:p>
-            <a:pPr algn="ctr"/>
-            <a:r>
-              <a:rPr lang="en-US" dirty="0" smtClean="0">
-                <a:solidFill>
-                  <a:srgbClr val="00B0F0"/>
-                </a:solidFill>
-              </a:rPr>
-              <a:t>References</a:t>
-            </a:r>
-            <a:endParaRPr lang="en-US" dirty="0">
-              <a:solidFill>
-                <a:srgbClr val="00B0F0"/>
-              </a:solidFill>
-            </a:endParaRPr>
-          </a:p>
-        </p:txBody>
-      </p:sp>
-      <p:sp>
-        <p:nvSpPr>
-          <p:cNvPr id="3" name="Content Placeholder 2"/>
-          <p:cNvSpPr>
-            <a:spLocks noGrp="1"/>
-          </p:cNvSpPr>
-          <p:nvPr>
-            <p:ph idx="1"/>
-          </p:nvPr>
-        </p:nvSpPr>
-        <p:spPr>
-          <a:xfrm>
-            <a:off x="457200" y="1600201"/>
-            <a:ext cx="8229600" cy="4114800"/>
-          </a:xfrm>
-        </p:spPr>
-        <p:txBody>
-          <a:bodyPr>
-            <a:normAutofit/>
-          </a:bodyPr>
-          <a:lstStyle/>
-          <a:p>
-            <a:pPr marL="0" indent="0">
-              <a:buNone/>
-            </a:pPr>
-            <a:r>
-              <a:rPr lang="en-US" sz="2400" dirty="0" smtClean="0"/>
-              <a:t>Impact of Ad Libraries on Ratings of Android Mobile Apps paper by</a:t>
-            </a:r>
-          </a:p>
-          <a:p>
-            <a:pPr marL="0" indent="0">
-              <a:buNone/>
-            </a:pPr>
-            <a:r>
-              <a:rPr lang="en-US" sz="2400" dirty="0" smtClean="0"/>
-              <a:t>Israel J</a:t>
-            </a:r>
-          </a:p>
-          <a:p>
-            <a:pPr marL="0" indent="0">
-              <a:buNone/>
-            </a:pPr>
-            <a:r>
-              <a:rPr lang="en-US" sz="2400" dirty="0" err="1" smtClean="0"/>
-              <a:t>Meiyappan</a:t>
-            </a:r>
-            <a:r>
-              <a:rPr lang="en-US" sz="2400" dirty="0" smtClean="0"/>
-              <a:t> </a:t>
-            </a:r>
-            <a:r>
-              <a:rPr lang="en-US" sz="2400" dirty="0" err="1" smtClean="0"/>
-              <a:t>Nagappan</a:t>
-            </a:r>
-            <a:endParaRPr lang="en-US" sz="2400" dirty="0" smtClean="0"/>
-          </a:p>
-          <a:p>
-            <a:pPr marL="0" indent="0">
-              <a:buNone/>
-            </a:pPr>
-            <a:r>
-              <a:rPr lang="en-US" sz="2400" dirty="0" smtClean="0"/>
-              <a:t>Bram Adams</a:t>
-            </a:r>
-          </a:p>
-          <a:p>
-            <a:pPr marL="0" indent="0">
-              <a:buNone/>
-            </a:pPr>
-            <a:r>
-              <a:rPr lang="en-US" sz="2400" dirty="0" smtClean="0"/>
-              <a:t>Thorsten Berger</a:t>
-            </a:r>
-          </a:p>
-          <a:p>
-            <a:pPr marL="0" indent="0">
-              <a:buNone/>
-            </a:pPr>
-            <a:r>
-              <a:rPr lang="en-US" sz="2400" dirty="0" smtClean="0"/>
-              <a:t>Steffen </a:t>
-            </a:r>
-            <a:r>
-              <a:rPr lang="en-US" sz="2400" dirty="0" err="1" smtClean="0"/>
-              <a:t>Dienst</a:t>
-            </a:r>
-            <a:endParaRPr lang="en-US" sz="2400" dirty="0" smtClean="0"/>
-          </a:p>
-          <a:p>
-            <a:pPr marL="0" indent="0">
-              <a:buNone/>
-            </a:pPr>
-            <a:r>
-              <a:rPr lang="en-US" sz="2400" dirty="0" smtClean="0"/>
-              <a:t>Ahmed E. Hassan</a:t>
-            </a:r>
-          </a:p>
-          <a:p>
-            <a:pPr marL="0" indent="0">
-              <a:buNone/>
-            </a:pPr>
-            <a:endParaRPr lang="en-US" sz="2400" dirty="0"/>
-          </a:p>
-        </p:txBody>
-      </p:sp>
-    </p:spTree>
-    <p:extLst>
-      <p:ext uri="{BB962C8B-B14F-4D97-AF65-F5344CB8AC3E}">
-        <p14:creationId xmlns:p14="http://schemas.microsoft.com/office/powerpoint/2010/main" val="1971301471"/>
-      </p:ext>
-    </p:extLst>
-  </p:cSld>
-  <p:clrMapOvr>
-    <a:masterClrMapping/>
-  </p:clrMapOvr>
-  <p:timing>
-    <p:tnLst>
-      <p:par>
-        <p:cTn id="1" dur="indefinite" restart="never" nodeType="tmRoot"/>
-      </p:par>
-    </p:tnLst>
-  </p:timing>
-</p:sld>
-</file>
-
 <file path=ppt/slides/slide3.xml><?xml version="1.0" encoding="utf-8"?>
 <p:sld xmlns:a="http://schemas.openxmlformats.org/drawingml/2006/main" xmlns:r="http://schemas.openxmlformats.org/officeDocument/2006/relationships" xmlns:p="http://schemas.openxmlformats.org/presentationml/2006/main">
   <p:cSld>
@@ -10734,7 +10540,6 @@
               <a:rPr lang="en-US" sz="1500" dirty="0"/>
               <a:t>Downloads increased from 7 billion apps in 2009 to 102 billion apps in 2013.</a:t>
             </a:r>
-            <a:endParaRPr lang="en-US" sz="1500" dirty="0"/>
           </a:p>
         </p:txBody>
       </p:sp>
@@ -10853,7 +10658,6 @@
               <a:rPr lang="en-US" sz="1500" dirty="0"/>
               <a:t>To achieve the fill rate developers need to integrate multiple ad libraries from different ad companies.</a:t>
             </a:r>
-            <a:endParaRPr lang="en-US" sz="1500" dirty="0"/>
           </a:p>
           <a:p>
             <a:endParaRPr lang="en-US" sz="1350" dirty="0"/>
@@ -10921,21 +10725,8 @@
                   <a:srgbClr val="00B0F0"/>
                 </a:solidFill>
               </a:rPr>
-              <a:t>R</a:t>
-            </a:r>
-            <a:r>
-              <a:rPr lang="en-US" sz="2700" b="1" dirty="0">
-                <a:solidFill>
-                  <a:srgbClr val="00B0F0"/>
-                </a:solidFill>
-              </a:rPr>
-              <a:t>elationship between ad libraries and the user app ratings</a:t>
-            </a:r>
-            <a:endParaRPr lang="en-US" sz="2700" b="1" dirty="0">
-              <a:solidFill>
-                <a:srgbClr val="00B0F0"/>
-              </a:solidFill>
-            </a:endParaRPr>
+              <a:t>Relationship between ad libraries and the user app ratings</a:t>
+            </a:r>
           </a:p>
         </p:txBody>
       </p:sp>
@@ -11008,7 +10799,6 @@
               <a:rPr lang="en-US" sz="1800" i="1" dirty="0"/>
               <a:t>Adding an extra ad library doesn’t necessarily imply lower app rating</a:t>
             </a:r>
-            <a:endParaRPr lang="en-US" sz="1800" i="1" dirty="0"/>
           </a:p>
         </p:txBody>
       </p:sp>
@@ -11075,11 +10865,6 @@
               </a:rPr>
               <a:t>Study data collection</a:t>
             </a:r>
-            <a:endParaRPr lang="en-US" sz="2700" b="1" dirty="0">
-              <a:solidFill>
-                <a:srgbClr val="00B0F0"/>
-              </a:solidFill>
-            </a:endParaRPr>
           </a:p>
         </p:txBody>
       </p:sp>
@@ -11225,11 +11010,6 @@
               </a:rPr>
               <a:t>Crawling Google play</a:t>
             </a:r>
-            <a:endParaRPr lang="en-US" sz="2700" b="1" dirty="0">
-              <a:solidFill>
-                <a:srgbClr val="00B0F0"/>
-              </a:solidFill>
-            </a:endParaRPr>
           </a:p>
         </p:txBody>
       </p:sp>
@@ -11576,7 +11356,6 @@
               <a:rPr lang="en-US" sz="1600" dirty="0"/>
               <a:t>into the APK in order to use the ad libraries’ APIs. </a:t>
             </a:r>
-            <a:endParaRPr lang="en-US" sz="1600" dirty="0"/>
           </a:p>
         </p:txBody>
       </p:sp>
@@ -12425,7 +12204,6 @@
               <a:rPr lang="en-US" sz="1600" dirty="0"/>
               <a:t>then used this data to identify the ad libraries in each app. </a:t>
             </a:r>
-            <a:endParaRPr lang="en-US" sz="1600" dirty="0"/>
           </a:p>
         </p:txBody>
       </p:sp>
@@ -12932,7 +12710,6 @@
               <a:rPr lang="en-US" sz="1600" dirty="0"/>
               <a:t>ad libraries: </a:t>
             </a:r>
-            <a:endParaRPr lang="en-US" sz="1600" dirty="0"/>
           </a:p>
         </p:txBody>
       </p:sp>
@@ -14155,7 +13932,6 @@
               <a:rPr lang="en-US" sz="1600" dirty="0"/>
               <a:t>, with 149,321 repetitions. </a:t>
             </a:r>
-            <a:endParaRPr lang="en-US" sz="1600" dirty="0"/>
           </a:p>
         </p:txBody>
       </p:sp>
@@ -14784,11 +14560,7 @@
             </a:r>
             <a:r>
               <a:rPr lang="en-US" sz="1600"/>
-              <a:t>repeated this process until a class name was repeated no more than 200 times in the </a:t>
-            </a:r>
-            <a:r>
-              <a:rPr lang="en-US" sz="1600"/>
-              <a:t>database</a:t>
+              <a:t>repeated this process until a class name was repeated no more than 200 times in the database</a:t>
             </a:r>
             <a:r>
               <a:rPr lang="en-US" sz="1600" smtClean="0"/>
